--- a/Documentation/Presentations/April_presentation.pptx
+++ b/Documentation/Presentations/April_presentation.pptx
@@ -5,7 +5,7 @@
     <p:sldMasterId id="2147483648" r:id="rId1"/>
   </p:sldMasterIdLst>
   <p:notesMasterIdLst>
-    <p:notesMasterId r:id="rId20"/>
+    <p:notesMasterId r:id="rId21"/>
   </p:notesMasterIdLst>
   <p:sldIdLst>
     <p:sldId id="434" r:id="rId2"/>
@@ -18,14 +18,15 @@
     <p:sldId id="490" r:id="rId9"/>
     <p:sldId id="491" r:id="rId10"/>
     <p:sldId id="492" r:id="rId11"/>
-    <p:sldId id="447" r:id="rId12"/>
-    <p:sldId id="493" r:id="rId13"/>
-    <p:sldId id="497" r:id="rId14"/>
-    <p:sldId id="498" r:id="rId15"/>
-    <p:sldId id="494" r:id="rId16"/>
-    <p:sldId id="496" r:id="rId17"/>
-    <p:sldId id="499" r:id="rId18"/>
-    <p:sldId id="495" r:id="rId19"/>
+    <p:sldId id="500" r:id="rId12"/>
+    <p:sldId id="447" r:id="rId13"/>
+    <p:sldId id="493" r:id="rId14"/>
+    <p:sldId id="497" r:id="rId15"/>
+    <p:sldId id="498" r:id="rId16"/>
+    <p:sldId id="494" r:id="rId17"/>
+    <p:sldId id="496" r:id="rId18"/>
+    <p:sldId id="499" r:id="rId19"/>
+    <p:sldId id="495" r:id="rId20"/>
   </p:sldIdLst>
   <p:sldSz cx="12192000" cy="6858000"/>
   <p:notesSz cx="6865938" cy="9998075"/>
@@ -228,7 +229,7 @@
           <a:p>
             <a:fld id="{81108FBB-5C78-CF4C-B054-5DD258793CDB}" type="datetimeFigureOut">
               <a:rPr lang="en-US" smtClean="0"/>
-              <a:t>4/26/2022</a:t>
+              <a:t>4/27/2022</a:t>
             </a:fld>
             <a:endParaRPr lang="en-US"/>
           </a:p>
@@ -386,7 +387,7 @@
           <a:p>
             <a:fld id="{4DC7C336-BE99-324C-AD72-4A60B19E00C5}" type="slidenum">
               <a:rPr lang="en-US" smtClean="0"/>
-              <a:t>‹#›</a:t>
+              <a:t>‹nr.›</a:t>
             </a:fld>
             <a:endParaRPr lang="en-US"/>
           </a:p>
@@ -579,6 +580,174 @@
 </p:notes>
 </file>
 
+<file path=ppt/notesSlides/notesSlide2.xml><?xml version="1.0" encoding="utf-8"?>
+<p:notes xmlns:a="http://schemas.openxmlformats.org/drawingml/2006/main" xmlns:r="http://schemas.openxmlformats.org/officeDocument/2006/relationships" xmlns:p="http://schemas.openxmlformats.org/presentationml/2006/main">
+  <p:cSld>
+    <p:spTree>
+      <p:nvGrpSpPr>
+        <p:cNvPr id="1" name=""/>
+        <p:cNvGrpSpPr/>
+        <p:nvPr/>
+      </p:nvGrpSpPr>
+      <p:grpSpPr>
+        <a:xfrm>
+          <a:off x="0" y="0"/>
+          <a:ext cx="0" cy="0"/>
+          <a:chOff x="0" y="0"/>
+          <a:chExt cx="0" cy="0"/>
+        </a:xfrm>
+      </p:grpSpPr>
+      <p:sp>
+        <p:nvSpPr>
+          <p:cNvPr id="2" name="Tijdelijke aanduiding voor dia-afbeelding 1"/>
+          <p:cNvSpPr>
+            <a:spLocks noGrp="1" noRot="1" noChangeAspect="1"/>
+          </p:cNvSpPr>
+          <p:nvPr>
+            <p:ph type="sldImg"/>
+          </p:nvPr>
+        </p:nvSpPr>
+        <p:spPr/>
+      </p:sp>
+      <p:sp>
+        <p:nvSpPr>
+          <p:cNvPr id="3" name="Tijdelijke aanduiding voor notities 2"/>
+          <p:cNvSpPr>
+            <a:spLocks noGrp="1"/>
+          </p:cNvSpPr>
+          <p:nvPr>
+            <p:ph type="body" idx="1"/>
+          </p:nvPr>
+        </p:nvSpPr>
+        <p:spPr/>
+        <p:txBody>
+          <a:bodyPr/>
+          <a:lstStyle/>
+          <a:p>
+            <a:endParaRPr lang="nl-BE" dirty="0"/>
+          </a:p>
+        </p:txBody>
+      </p:sp>
+      <p:sp>
+        <p:nvSpPr>
+          <p:cNvPr id="4" name="Tijdelijke aanduiding voor dianummer 3"/>
+          <p:cNvSpPr>
+            <a:spLocks noGrp="1"/>
+          </p:cNvSpPr>
+          <p:nvPr>
+            <p:ph type="sldNum" sz="quarter" idx="5"/>
+          </p:nvPr>
+        </p:nvSpPr>
+        <p:spPr/>
+        <p:txBody>
+          <a:bodyPr/>
+          <a:lstStyle/>
+          <a:p>
+            <a:fld id="{4DC7C336-BE99-324C-AD72-4A60B19E00C5}" type="slidenum">
+              <a:rPr lang="en-US" smtClean="0"/>
+              <a:t>10</a:t>
+            </a:fld>
+            <a:endParaRPr lang="en-US"/>
+          </a:p>
+        </p:txBody>
+      </p:sp>
+    </p:spTree>
+    <p:extLst>
+      <p:ext uri="{BB962C8B-B14F-4D97-AF65-F5344CB8AC3E}">
+        <p14:creationId xmlns:p14="http://schemas.microsoft.com/office/powerpoint/2010/main" val="3708843103"/>
+      </p:ext>
+    </p:extLst>
+  </p:cSld>
+  <p:clrMapOvr>
+    <a:masterClrMapping/>
+  </p:clrMapOvr>
+</p:notes>
+</file>
+
+<file path=ppt/notesSlides/notesSlide3.xml><?xml version="1.0" encoding="utf-8"?>
+<p:notes xmlns:a="http://schemas.openxmlformats.org/drawingml/2006/main" xmlns:r="http://schemas.openxmlformats.org/officeDocument/2006/relationships" xmlns:p="http://schemas.openxmlformats.org/presentationml/2006/main">
+  <p:cSld>
+    <p:spTree>
+      <p:nvGrpSpPr>
+        <p:cNvPr id="1" name=""/>
+        <p:cNvGrpSpPr/>
+        <p:nvPr/>
+      </p:nvGrpSpPr>
+      <p:grpSpPr>
+        <a:xfrm>
+          <a:off x="0" y="0"/>
+          <a:ext cx="0" cy="0"/>
+          <a:chOff x="0" y="0"/>
+          <a:chExt cx="0" cy="0"/>
+        </a:xfrm>
+      </p:grpSpPr>
+      <p:sp>
+        <p:nvSpPr>
+          <p:cNvPr id="2" name="Tijdelijke aanduiding voor dia-afbeelding 1"/>
+          <p:cNvSpPr>
+            <a:spLocks noGrp="1" noRot="1" noChangeAspect="1"/>
+          </p:cNvSpPr>
+          <p:nvPr>
+            <p:ph type="sldImg"/>
+          </p:nvPr>
+        </p:nvSpPr>
+        <p:spPr/>
+      </p:sp>
+      <p:sp>
+        <p:nvSpPr>
+          <p:cNvPr id="3" name="Tijdelijke aanduiding voor notities 2"/>
+          <p:cNvSpPr>
+            <a:spLocks noGrp="1"/>
+          </p:cNvSpPr>
+          <p:nvPr>
+            <p:ph type="body" idx="1"/>
+          </p:nvPr>
+        </p:nvSpPr>
+        <p:spPr/>
+        <p:txBody>
+          <a:bodyPr/>
+          <a:lstStyle/>
+          <a:p>
+            <a:endParaRPr lang="nl-BE" dirty="0"/>
+          </a:p>
+        </p:txBody>
+      </p:sp>
+      <p:sp>
+        <p:nvSpPr>
+          <p:cNvPr id="4" name="Tijdelijke aanduiding voor dianummer 3"/>
+          <p:cNvSpPr>
+            <a:spLocks noGrp="1"/>
+          </p:cNvSpPr>
+          <p:nvPr>
+            <p:ph type="sldNum" sz="quarter" idx="5"/>
+          </p:nvPr>
+        </p:nvSpPr>
+        <p:spPr/>
+        <p:txBody>
+          <a:bodyPr/>
+          <a:lstStyle/>
+          <a:p>
+            <a:fld id="{4DC7C336-BE99-324C-AD72-4A60B19E00C5}" type="slidenum">
+              <a:rPr lang="en-US" smtClean="0"/>
+              <a:t>11</a:t>
+            </a:fld>
+            <a:endParaRPr lang="en-US"/>
+          </a:p>
+        </p:txBody>
+      </p:sp>
+    </p:spTree>
+    <p:extLst>
+      <p:ext uri="{BB962C8B-B14F-4D97-AF65-F5344CB8AC3E}">
+        <p14:creationId xmlns:p14="http://schemas.microsoft.com/office/powerpoint/2010/main" val="613916794"/>
+      </p:ext>
+    </p:extLst>
+  </p:cSld>
+  <p:clrMapOvr>
+    <a:masterClrMapping/>
+  </p:clrMapOvr>
+</p:notes>
+</file>
+
 <file path=ppt/slideLayouts/slideLayout1.xml><?xml version="1.0" encoding="utf-8"?>
 <p:sldLayout xmlns:a="http://schemas.openxmlformats.org/drawingml/2006/main" xmlns:r="http://schemas.openxmlformats.org/officeDocument/2006/relationships" xmlns:p="http://schemas.openxmlformats.org/presentationml/2006/main" type="title" preserve="1">
   <p:cSld name="Titeldia">
@@ -733,7 +902,7 @@
           <a:p>
             <a:fld id="{E7A8DCEE-05B0-C544-B51D-837AD8116419}" type="slidenum">
               <a:rPr lang="en-US" smtClean="0"/>
-              <a:t>‹#›</a:t>
+              <a:t>‹nr.›</a:t>
             </a:fld>
             <a:endParaRPr lang="en-US"/>
           </a:p>
@@ -879,7 +1048,7 @@
           <a:p>
             <a:fld id="{F95AA93C-AC25-7D4A-8787-2982570C5801}" type="datetime1">
               <a:rPr lang="en-US" smtClean="0"/>
-              <a:t>4/26/2022</a:t>
+              <a:t>4/27/2022</a:t>
             </a:fld>
             <a:endParaRPr lang="en-US"/>
           </a:p>
@@ -933,7 +1102,7 @@
           <a:p>
             <a:fld id="{E7A8DCEE-05B0-C544-B51D-837AD8116419}" type="slidenum">
               <a:rPr lang="en-US" smtClean="0"/>
-              <a:t>‹#›</a:t>
+              <a:t>‹nr.›</a:t>
             </a:fld>
             <a:endParaRPr lang="en-US"/>
           </a:p>
@@ -1089,7 +1258,7 @@
           <a:p>
             <a:fld id="{304BE462-4DE4-FE48-A6DC-6029F8C08C1B}" type="datetime1">
               <a:rPr lang="en-US" smtClean="0"/>
-              <a:t>4/26/2022</a:t>
+              <a:t>4/27/2022</a:t>
             </a:fld>
             <a:endParaRPr lang="en-US"/>
           </a:p>
@@ -1143,7 +1312,7 @@
           <a:p>
             <a:fld id="{E7A8DCEE-05B0-C544-B51D-837AD8116419}" type="slidenum">
               <a:rPr lang="en-US" smtClean="0"/>
-              <a:t>‹#›</a:t>
+              <a:t>‹nr.›</a:t>
             </a:fld>
             <a:endParaRPr lang="en-US"/>
           </a:p>
@@ -1392,7 +1561,7 @@
             <a:fld id="{E7A8DCEE-05B0-C544-B51D-837AD8116419}" type="slidenum">
               <a:rPr lang="en-US" smtClean="0"/>
               <a:pPr/>
-              <a:t>‹#›</a:t>
+              <a:t>‹nr.›</a:t>
             </a:fld>
             <a:endParaRPr lang="en-US" dirty="0"/>
           </a:p>
@@ -1614,7 +1783,7 @@
           <a:p>
             <a:fld id="{9A93461D-F3AE-DA45-8204-9CCC04547CDF}" type="datetime1">
               <a:rPr lang="en-US" smtClean="0"/>
-              <a:t>4/26/2022</a:t>
+              <a:t>4/27/2022</a:t>
             </a:fld>
             <a:endParaRPr lang="en-US"/>
           </a:p>
@@ -1668,7 +1837,7 @@
           <a:p>
             <a:fld id="{E7A8DCEE-05B0-C544-B51D-837AD8116419}" type="slidenum">
               <a:rPr lang="en-US" smtClean="0"/>
-              <a:t>‹#›</a:t>
+              <a:t>‹nr.›</a:t>
             </a:fld>
             <a:endParaRPr lang="en-US"/>
           </a:p>
@@ -1882,7 +2051,7 @@
           <a:p>
             <a:fld id="{6EE40EA7-3CF7-3946-A6D4-42FC1CF5E38A}" type="datetime1">
               <a:rPr lang="en-US" smtClean="0"/>
-              <a:t>4/26/2022</a:t>
+              <a:t>4/27/2022</a:t>
             </a:fld>
             <a:endParaRPr lang="en-US"/>
           </a:p>
@@ -1936,7 +2105,7 @@
           <a:p>
             <a:fld id="{E7A8DCEE-05B0-C544-B51D-837AD8116419}" type="slidenum">
               <a:rPr lang="en-US" smtClean="0"/>
-              <a:t>‹#›</a:t>
+              <a:t>‹nr.›</a:t>
             </a:fld>
             <a:endParaRPr lang="en-US"/>
           </a:p>
@@ -2297,7 +2466,7 @@
           <a:p>
             <a:fld id="{36B08F9E-1372-2D43-9171-72D3A9C3F3E7}" type="datetime1">
               <a:rPr lang="en-US" smtClean="0"/>
-              <a:t>4/26/2022</a:t>
+              <a:t>4/27/2022</a:t>
             </a:fld>
             <a:endParaRPr lang="en-US"/>
           </a:p>
@@ -2351,7 +2520,7 @@
           <a:p>
             <a:fld id="{E7A8DCEE-05B0-C544-B51D-837AD8116419}" type="slidenum">
               <a:rPr lang="en-US" smtClean="0"/>
-              <a:t>‹#›</a:t>
+              <a:t>‹nr.›</a:t>
             </a:fld>
             <a:endParaRPr lang="en-US"/>
           </a:p>
@@ -2439,7 +2608,7 @@
           <a:p>
             <a:fld id="{127C2F05-4BC6-E442-8195-86345B49EB50}" type="datetime1">
               <a:rPr lang="en-US" smtClean="0"/>
-              <a:t>4/26/2022</a:t>
+              <a:t>4/27/2022</a:t>
             </a:fld>
             <a:endParaRPr lang="en-US"/>
           </a:p>
@@ -2493,7 +2662,7 @@
           <a:p>
             <a:fld id="{E7A8DCEE-05B0-C544-B51D-837AD8116419}" type="slidenum">
               <a:rPr lang="en-US" smtClean="0"/>
-              <a:t>‹#›</a:t>
+              <a:t>‹nr.›</a:t>
             </a:fld>
             <a:endParaRPr lang="en-US"/>
           </a:p>
@@ -2552,7 +2721,7 @@
           <a:p>
             <a:fld id="{491C489C-5506-C74B-82FF-8B2FE41802D8}" type="datetime1">
               <a:rPr lang="en-US" smtClean="0"/>
-              <a:t>4/26/2022</a:t>
+              <a:t>4/27/2022</a:t>
             </a:fld>
             <a:endParaRPr lang="en-US"/>
           </a:p>
@@ -2606,7 +2775,7 @@
           <a:p>
             <a:fld id="{E7A8DCEE-05B0-C544-B51D-837AD8116419}" type="slidenum">
               <a:rPr lang="en-US" smtClean="0"/>
-              <a:t>‹#›</a:t>
+              <a:t>‹nr.›</a:t>
             </a:fld>
             <a:endParaRPr lang="en-US"/>
           </a:p>
@@ -2865,7 +3034,7 @@
           <a:p>
             <a:fld id="{41214FB5-589B-7146-BB27-2F6492521322}" type="datetime1">
               <a:rPr lang="en-US" smtClean="0"/>
-              <a:t>4/26/2022</a:t>
+              <a:t>4/27/2022</a:t>
             </a:fld>
             <a:endParaRPr lang="en-US"/>
           </a:p>
@@ -2919,7 +3088,7 @@
           <a:p>
             <a:fld id="{E7A8DCEE-05B0-C544-B51D-837AD8116419}" type="slidenum">
               <a:rPr lang="en-US" smtClean="0"/>
-              <a:t>‹#›</a:t>
+              <a:t>‹nr.›</a:t>
             </a:fld>
             <a:endParaRPr lang="en-US"/>
           </a:p>
@@ -3158,7 +3327,7 @@
           <a:p>
             <a:fld id="{DFD0CB20-DEC6-BA41-B9E0-2FB949C3D291}" type="datetime1">
               <a:rPr lang="en-US" smtClean="0"/>
-              <a:t>4/26/2022</a:t>
+              <a:t>4/27/2022</a:t>
             </a:fld>
             <a:endParaRPr lang="en-US"/>
           </a:p>
@@ -3212,7 +3381,7 @@
           <a:p>
             <a:fld id="{E7A8DCEE-05B0-C544-B51D-837AD8116419}" type="slidenum">
               <a:rPr lang="en-US" smtClean="0"/>
-              <a:t>‹#›</a:t>
+              <a:t>‹nr.›</a:t>
             </a:fld>
             <a:endParaRPr lang="en-US"/>
           </a:p>
@@ -3431,7 +3600,7 @@
           <a:p>
             <a:fld id="{064A1EA6-C1E7-2844-934E-35189B8549EC}" type="datetime1">
               <a:rPr lang="en-US" smtClean="0"/>
-              <a:t>4/26/2022</a:t>
+              <a:t>4/27/2022</a:t>
             </a:fld>
             <a:endParaRPr lang="en-US"/>
           </a:p>
@@ -3521,7 +3690,7 @@
           <a:p>
             <a:fld id="{E7A8DCEE-05B0-C544-B51D-837AD8116419}" type="slidenum">
               <a:rPr lang="en-US" smtClean="0"/>
-              <a:t>‹#›</a:t>
+              <a:t>‹nr.›</a:t>
             </a:fld>
             <a:endParaRPr lang="en-US"/>
           </a:p>
@@ -4083,7 +4252,7 @@
             <p:nvPr/>
           </p:nvPicPr>
           <p:blipFill>
-            <a:blip r:embed="rId2"/>
+            <a:blip r:embed="rId3"/>
             <a:stretch>
               <a:fillRect/>
             </a:stretch>
@@ -4177,7 +4346,7 @@
               <p:nvPr/>
             </p:nvPicPr>
             <p:blipFill>
-              <a:blip r:embed="rId3">
+              <a:blip r:embed="rId4">
                 <a:extLst>
                   <a:ext uri="{28A0092B-C50C-407E-A947-70E740481C1C}">
                     <a14:useLocalDpi xmlns:a14="http://schemas.microsoft.com/office/drawing/2010/main" val="0"/>
@@ -4390,7 +4559,7 @@
           <p:cNvPr id="2" name="Title 1">
             <a:extLst>
               <a:ext uri="{FF2B5EF4-FFF2-40B4-BE49-F238E27FC236}">
-                <a16:creationId xmlns:a16="http://schemas.microsoft.com/office/drawing/2014/main" id="{015637B3-80C6-4BDF-99C4-99FF5A6043D9}"/>
+                <a16:creationId xmlns:a16="http://schemas.microsoft.com/office/drawing/2014/main" id="{29297165-B808-4DDA-BFD5-BC57F7CAA4A8}"/>
               </a:ext>
             </a:extLst>
           </p:cNvPr>
@@ -4407,6 +4576,103 @@
           <a:lstStyle/>
           <a:p>
             <a:r>
+              <a:rPr lang="nl-NL" dirty="0" err="1"/>
+              <a:t>Deep</a:t>
+            </a:r>
+            <a:r>
+              <a:rPr lang="nl-NL" dirty="0"/>
+              <a:t> </a:t>
+            </a:r>
+            <a:r>
+              <a:rPr lang="nl-NL" dirty="0" err="1"/>
+              <a:t>learning</a:t>
+            </a:r>
+            <a:endParaRPr lang="en-US" dirty="0"/>
+          </a:p>
+        </p:txBody>
+      </p:sp>
+      <p:pic>
+        <p:nvPicPr>
+          <p:cNvPr id="7" name="Afbeelding 6">
+            <a:extLst>
+              <a:ext uri="{FF2B5EF4-FFF2-40B4-BE49-F238E27FC236}">
+                <a16:creationId xmlns:a16="http://schemas.microsoft.com/office/drawing/2014/main" id="{D0728F01-39FE-422F-B05B-E316489C2BDB}"/>
+              </a:ext>
+            </a:extLst>
+          </p:cNvPr>
+          <p:cNvPicPr>
+            <a:picLocks noChangeAspect="1"/>
+          </p:cNvPicPr>
+          <p:nvPr/>
+        </p:nvPicPr>
+        <p:blipFill>
+          <a:blip r:embed="rId3"/>
+          <a:stretch>
+            <a:fillRect/>
+          </a:stretch>
+        </p:blipFill>
+        <p:spPr>
+          <a:xfrm>
+            <a:off x="0" y="1880790"/>
+            <a:ext cx="12192000" cy="3779172"/>
+          </a:xfrm>
+          <a:prstGeom prst="rect">
+            <a:avLst/>
+          </a:prstGeom>
+        </p:spPr>
+      </p:pic>
+    </p:spTree>
+    <p:extLst>
+      <p:ext uri="{BB962C8B-B14F-4D97-AF65-F5344CB8AC3E}">
+        <p14:creationId xmlns:p14="http://schemas.microsoft.com/office/powerpoint/2010/main" val="604149029"/>
+      </p:ext>
+    </p:extLst>
+  </p:cSld>
+  <p:clrMapOvr>
+    <a:masterClrMapping/>
+  </p:clrMapOvr>
+</p:sld>
+</file>
+
+<file path=ppt/slides/slide12.xml><?xml version="1.0" encoding="utf-8"?>
+<p:sld xmlns:a="http://schemas.openxmlformats.org/drawingml/2006/main" xmlns:r="http://schemas.openxmlformats.org/officeDocument/2006/relationships" xmlns:p="http://schemas.openxmlformats.org/presentationml/2006/main">
+  <p:cSld>
+    <p:spTree>
+      <p:nvGrpSpPr>
+        <p:cNvPr id="1" name=""/>
+        <p:cNvGrpSpPr/>
+        <p:nvPr/>
+      </p:nvGrpSpPr>
+      <p:grpSpPr>
+        <a:xfrm>
+          <a:off x="0" y="0"/>
+          <a:ext cx="0" cy="0"/>
+          <a:chOff x="0" y="0"/>
+          <a:chExt cx="0" cy="0"/>
+        </a:xfrm>
+      </p:grpSpPr>
+      <p:sp>
+        <p:nvSpPr>
+          <p:cNvPr id="2" name="Title 1">
+            <a:extLst>
+              <a:ext uri="{FF2B5EF4-FFF2-40B4-BE49-F238E27FC236}">
+                <a16:creationId xmlns:a16="http://schemas.microsoft.com/office/drawing/2014/main" id="{015637B3-80C6-4BDF-99C4-99FF5A6043D9}"/>
+              </a:ext>
+            </a:extLst>
+          </p:cNvPr>
+          <p:cNvSpPr>
+            <a:spLocks noGrp="1"/>
+          </p:cNvSpPr>
+          <p:nvPr>
+            <p:ph type="title"/>
+          </p:nvPr>
+        </p:nvSpPr>
+        <p:spPr/>
+        <p:txBody>
+          <a:bodyPr/>
+          <a:lstStyle/>
+          <a:p>
+            <a:r>
               <a:rPr lang="en-US" dirty="0"/>
               <a:t>Deep learning models</a:t>
             </a:r>
@@ -4432,7 +4698,7 @@
         <p:spPr/>
         <p:txBody>
           <a:bodyPr>
-            <a:normAutofit/>
+            <a:normAutofit fontScale="92500" lnSpcReduction="20000"/>
           </a:bodyPr>
           <a:lstStyle/>
           <a:p>
@@ -4503,6 +4769,16 @@
             </a:r>
           </a:p>
           <a:p>
+            <a:pPr lvl="1">
+              <a:buFontTx/>
+              <a:buChar char="-"/>
+            </a:pPr>
+            <a:r>
+              <a:rPr lang="en-US" dirty="0"/>
+              <a:t>Feedback connections</a:t>
+            </a:r>
+          </a:p>
+          <a:p>
             <a:pPr>
               <a:buFontTx/>
               <a:buChar char="-"/>
@@ -4518,6 +4794,38 @@
               <a:rPr lang="nl-NL" dirty="0"/>
               <a:t>Images -&gt; CNN</a:t>
             </a:r>
+          </a:p>
+          <a:p>
+            <a:pPr lvl="1">
+              <a:buFontTx/>
+              <a:buChar char="-"/>
+            </a:pPr>
+            <a:r>
+              <a:rPr lang="nl-NL" dirty="0" err="1"/>
+              <a:t>Moving</a:t>
+            </a:r>
+            <a:r>
+              <a:rPr lang="nl-NL" dirty="0"/>
+              <a:t> image </a:t>
+            </a:r>
+            <a:r>
+              <a:rPr lang="nl-NL" dirty="0" err="1"/>
+              <a:t>kernels</a:t>
+            </a:r>
+            <a:endParaRPr lang="nl-NL" dirty="0"/>
+          </a:p>
+          <a:p>
+            <a:pPr lvl="1">
+              <a:buFontTx/>
+              <a:buChar char="-"/>
+            </a:pPr>
+            <a:r>
+              <a:rPr lang="nl-NL" dirty="0">
+                <a:hlinkClick r:id="rId2"/>
+              </a:rPr>
+              <a:t>https://setosa.io/ev/image-kernels/</a:t>
+            </a:r>
+            <a:endParaRPr lang="nl-NL" dirty="0"/>
           </a:p>
           <a:p>
             <a:pPr>
@@ -4559,7 +4867,7 @@
 </p:sld>
 </file>
 
-<file path=ppt/slides/slide12.xml><?xml version="1.0" encoding="utf-8"?>
+<file path=ppt/slides/slide13.xml><?xml version="1.0" encoding="utf-8"?>
 <p:sld xmlns:a="http://schemas.openxmlformats.org/drawingml/2006/main" xmlns:r="http://schemas.openxmlformats.org/officeDocument/2006/relationships" xmlns:p="http://schemas.openxmlformats.org/presentationml/2006/main">
   <p:cSld>
     <p:spTree>
@@ -4619,7 +4927,7 @@
 </p:sld>
 </file>
 
-<file path=ppt/slides/slide13.xml><?xml version="1.0" encoding="utf-8"?>
+<file path=ppt/slides/slide14.xml><?xml version="1.0" encoding="utf-8"?>
 <p:sld xmlns:a="http://schemas.openxmlformats.org/drawingml/2006/main" xmlns:r="http://schemas.openxmlformats.org/officeDocument/2006/relationships" xmlns:p="http://schemas.openxmlformats.org/presentationml/2006/main">
   <p:cSld>
     <p:spTree>
@@ -4715,7 +5023,7 @@
 </p:sld>
 </file>
 
-<file path=ppt/slides/slide14.xml><?xml version="1.0" encoding="utf-8"?>
+<file path=ppt/slides/slide15.xml><?xml version="1.0" encoding="utf-8"?>
 <p:sld xmlns:a="http://schemas.openxmlformats.org/drawingml/2006/main" xmlns:r="http://schemas.openxmlformats.org/officeDocument/2006/relationships" xmlns:p="http://schemas.openxmlformats.org/presentationml/2006/main">
   <p:cSld>
     <p:spTree>
@@ -4812,7 +5120,7 @@
 </p:sld>
 </file>
 
-<file path=ppt/slides/slide15.xml><?xml version="1.0" encoding="utf-8"?>
+<file path=ppt/slides/slide16.xml><?xml version="1.0" encoding="utf-8"?>
 <p:sld xmlns:a="http://schemas.openxmlformats.org/drawingml/2006/main" xmlns:r="http://schemas.openxmlformats.org/officeDocument/2006/relationships" xmlns:p="http://schemas.openxmlformats.org/presentationml/2006/main">
   <p:cSld>
     <p:spTree>
@@ -4908,7 +5216,7 @@
 </p:sld>
 </file>
 
-<file path=ppt/slides/slide16.xml><?xml version="1.0" encoding="utf-8"?>
+<file path=ppt/slides/slide17.xml><?xml version="1.0" encoding="utf-8"?>
 <p:sld xmlns:a="http://schemas.openxmlformats.org/drawingml/2006/main" xmlns:r="http://schemas.openxmlformats.org/officeDocument/2006/relationships" xmlns:p="http://schemas.openxmlformats.org/presentationml/2006/main">
   <p:cSld>
     <p:spTree>
@@ -5005,7 +5313,7 @@
 </p:sld>
 </file>
 
-<file path=ppt/slides/slide17.xml><?xml version="1.0" encoding="utf-8"?>
+<file path=ppt/slides/slide18.xml><?xml version="1.0" encoding="utf-8"?>
 <p:sld xmlns:a="http://schemas.openxmlformats.org/drawingml/2006/main" xmlns:r="http://schemas.openxmlformats.org/officeDocument/2006/relationships" xmlns:p="http://schemas.openxmlformats.org/presentationml/2006/main">
   <p:cSld>
     <p:spTree>
@@ -5428,7 +5736,7 @@
 </p:sld>
 </file>
 
-<file path=ppt/slides/slide18.xml><?xml version="1.0" encoding="utf-8"?>
+<file path=ppt/slides/slide19.xml><?xml version="1.0" encoding="utf-8"?>
 <p:sld xmlns:a="http://schemas.openxmlformats.org/drawingml/2006/main" xmlns:r="http://schemas.openxmlformats.org/officeDocument/2006/relationships" xmlns:p="http://schemas.openxmlformats.org/presentationml/2006/main">
   <p:cSld>
     <p:spTree>
@@ -5522,7 +5830,7 @@
           <a:p>
             <a:fld id="{E7A8DCEE-05B0-C544-B51D-837AD8116419}" type="slidenum">
               <a:rPr lang="en-US" smtClean="0"/>
-              <a:t>18</a:t>
+              <a:t>19</a:t>
             </a:fld>
             <a:endParaRPr lang="en-US"/>
           </a:p>
@@ -5620,7 +5928,7 @@
             </a:pPr>
             <a:r>
               <a:rPr lang="en-US" dirty="0"/>
-              <a:t>Introduction &amp; Goal </a:t>
+              <a:t>Introduction</a:t>
             </a:r>
           </a:p>
           <a:p>
@@ -5630,7 +5938,7 @@
             </a:pPr>
             <a:r>
               <a:rPr lang="en-US" dirty="0"/>
-              <a:t>Data &amp; preprocessing</a:t>
+              <a:t>Goal &amp; Incentive</a:t>
             </a:r>
           </a:p>
           <a:p>
@@ -5640,7 +5948,17 @@
             </a:pPr>
             <a:r>
               <a:rPr lang="en-US" dirty="0"/>
-              <a:t>Model Training &amp; Testing methods</a:t>
+              <a:t>Data</a:t>
+            </a:r>
+          </a:p>
+          <a:p>
+            <a:pPr>
+              <a:buFontTx/>
+              <a:buChar char="-"/>
+            </a:pPr>
+            <a:r>
+              <a:rPr lang="en-US" dirty="0"/>
+              <a:t>Deep learning</a:t>
             </a:r>
           </a:p>
           <a:p>
@@ -5825,7 +6143,7 @@
             </a:pPr>
             <a:r>
               <a:rPr lang="en-US" noProof="0" dirty="0"/>
-              <a:t>Developing an autonomous drone</a:t>
+              <a:t>Developing an autonomous drone (UAV)</a:t>
             </a:r>
           </a:p>
           <a:p>
@@ -5883,8 +6201,8 @@
         </p:blipFill>
         <p:spPr bwMode="auto">
           <a:xfrm>
-            <a:off x="7810007" y="1825625"/>
-            <a:ext cx="4102593" cy="3194521"/>
+            <a:off x="8144256" y="1825625"/>
+            <a:ext cx="3768344" cy="2934255"/>
           </a:xfrm>
           <a:prstGeom prst="rect">
             <a:avLst/>
@@ -5947,7 +6265,12 @@
             <p:ph type="title"/>
           </p:nvPr>
         </p:nvSpPr>
-        <p:spPr/>
+        <p:spPr>
+          <a:xfrm>
+            <a:off x="838200" y="302577"/>
+            <a:ext cx="11074400" cy="1325563"/>
+          </a:xfrm>
+        </p:spPr>
         <p:txBody>
           <a:bodyPr/>
           <a:lstStyle/>
@@ -6069,10 +6392,10 @@
       </p:sp>
       <p:pic>
         <p:nvPicPr>
-          <p:cNvPr id="1028" name="Picture 4">
-            <a:extLst>
-              <a:ext uri="{FF2B5EF4-FFF2-40B4-BE49-F238E27FC236}">
-                <a16:creationId xmlns:a16="http://schemas.microsoft.com/office/drawing/2014/main" id="{E316B72A-E6F4-4BDF-997F-92467DCFB6DA}"/>
+          <p:cNvPr id="1026" name="Picture 2" descr="Helicopter UAV, Helicopter drone - All the aeronautical manufacturers">
+            <a:extLst>
+              <a:ext uri="{FF2B5EF4-FFF2-40B4-BE49-F238E27FC236}">
+                <a16:creationId xmlns:a16="http://schemas.microsoft.com/office/drawing/2014/main" id="{2BAF94E5-70CA-4056-92A2-102779DA71BD}"/>
               </a:ext>
             </a:extLst>
           </p:cNvPr>
@@ -6096,8 +6419,8 @@
         </p:blipFill>
         <p:spPr bwMode="auto">
           <a:xfrm>
-            <a:off x="8302027" y="2462525"/>
-            <a:ext cx="3284648" cy="2557621"/>
+            <a:off x="7498080" y="1825625"/>
+            <a:ext cx="4123182" cy="4123182"/>
           </a:xfrm>
           <a:prstGeom prst="rect">
             <a:avLst/>
